--- a/vignettes/Figures/manually_created_plots/manually_created_figures.pptx
+++ b/vignettes/Figures/manually_created_plots/manually_created_figures.pptx
@@ -201,7 +201,7 @@
           <a:p>
             <a:fld id="{3D79C78D-BEE0-3E48-B401-2B1A9A747922}" type="datetimeFigureOut">
               <a:rPr lang="en-US" smtClean="0"/>
-              <a:t>7/24/22</a:t>
+              <a:t>9/12/22</a:t>
             </a:fld>
             <a:endParaRPr lang="en-US"/>
           </a:p>
@@ -773,7 +773,7 @@
           <a:p>
             <a:fld id="{020234D1-918D-A04F-ADE0-AF041D21BD3B}" type="datetimeFigureOut">
               <a:rPr lang="en-US" smtClean="0"/>
-              <a:t>7/24/22</a:t>
+              <a:t>9/12/22</a:t>
             </a:fld>
             <a:endParaRPr lang="en-US"/>
           </a:p>
@@ -943,7 +943,7 @@
           <a:p>
             <a:fld id="{020234D1-918D-A04F-ADE0-AF041D21BD3B}" type="datetimeFigureOut">
               <a:rPr lang="en-US" smtClean="0"/>
-              <a:t>7/24/22</a:t>
+              <a:t>9/12/22</a:t>
             </a:fld>
             <a:endParaRPr lang="en-US"/>
           </a:p>
@@ -1123,7 +1123,7 @@
           <a:p>
             <a:fld id="{020234D1-918D-A04F-ADE0-AF041D21BD3B}" type="datetimeFigureOut">
               <a:rPr lang="en-US" smtClean="0"/>
-              <a:t>7/24/22</a:t>
+              <a:t>9/12/22</a:t>
             </a:fld>
             <a:endParaRPr lang="en-US"/>
           </a:p>
@@ -1293,7 +1293,7 @@
           <a:p>
             <a:fld id="{020234D1-918D-A04F-ADE0-AF041D21BD3B}" type="datetimeFigureOut">
               <a:rPr lang="en-US" smtClean="0"/>
-              <a:t>7/24/22</a:t>
+              <a:t>9/12/22</a:t>
             </a:fld>
             <a:endParaRPr lang="en-US"/>
           </a:p>
@@ -1539,7 +1539,7 @@
           <a:p>
             <a:fld id="{020234D1-918D-A04F-ADE0-AF041D21BD3B}" type="datetimeFigureOut">
               <a:rPr lang="en-US" smtClean="0"/>
-              <a:t>7/24/22</a:t>
+              <a:t>9/12/22</a:t>
             </a:fld>
             <a:endParaRPr lang="en-US"/>
           </a:p>
@@ -1771,7 +1771,7 @@
           <a:p>
             <a:fld id="{020234D1-918D-A04F-ADE0-AF041D21BD3B}" type="datetimeFigureOut">
               <a:rPr lang="en-US" smtClean="0"/>
-              <a:t>7/24/22</a:t>
+              <a:t>9/12/22</a:t>
             </a:fld>
             <a:endParaRPr lang="en-US"/>
           </a:p>
@@ -2138,7 +2138,7 @@
           <a:p>
             <a:fld id="{020234D1-918D-A04F-ADE0-AF041D21BD3B}" type="datetimeFigureOut">
               <a:rPr lang="en-US" smtClean="0"/>
-              <a:t>7/24/22</a:t>
+              <a:t>9/12/22</a:t>
             </a:fld>
             <a:endParaRPr lang="en-US"/>
           </a:p>
@@ -2256,7 +2256,7 @@
           <a:p>
             <a:fld id="{020234D1-918D-A04F-ADE0-AF041D21BD3B}" type="datetimeFigureOut">
               <a:rPr lang="en-US" smtClean="0"/>
-              <a:t>7/24/22</a:t>
+              <a:t>9/12/22</a:t>
             </a:fld>
             <a:endParaRPr lang="en-US"/>
           </a:p>
@@ -2351,7 +2351,7 @@
           <a:p>
             <a:fld id="{020234D1-918D-A04F-ADE0-AF041D21BD3B}" type="datetimeFigureOut">
               <a:rPr lang="en-US" smtClean="0"/>
-              <a:t>7/24/22</a:t>
+              <a:t>9/12/22</a:t>
             </a:fld>
             <a:endParaRPr lang="en-US"/>
           </a:p>
@@ -2628,7 +2628,7 @@
           <a:p>
             <a:fld id="{020234D1-918D-A04F-ADE0-AF041D21BD3B}" type="datetimeFigureOut">
               <a:rPr lang="en-US" smtClean="0"/>
-              <a:t>7/24/22</a:t>
+              <a:t>9/12/22</a:t>
             </a:fld>
             <a:endParaRPr lang="en-US"/>
           </a:p>
@@ -2885,7 +2885,7 @@
           <a:p>
             <a:fld id="{020234D1-918D-A04F-ADE0-AF041D21BD3B}" type="datetimeFigureOut">
               <a:rPr lang="en-US" smtClean="0"/>
-              <a:t>7/24/22</a:t>
+              <a:t>9/12/22</a:t>
             </a:fld>
             <a:endParaRPr lang="en-US"/>
           </a:p>
@@ -3098,7 +3098,7 @@
           <a:p>
             <a:fld id="{020234D1-918D-A04F-ADE0-AF041D21BD3B}" type="datetimeFigureOut">
               <a:rPr lang="en-US" smtClean="0"/>
-              <a:t>7/24/22</a:t>
+              <a:t>9/12/22</a:t>
             </a:fld>
             <a:endParaRPr lang="en-US"/>
           </a:p>
@@ -4531,6 +4531,36 @@
       </p:grpSpPr>
       <p:pic>
         <p:nvPicPr>
+          <p:cNvPr id="6" name="Picture 5">
+            <a:extLst>
+              <a:ext uri="{FF2B5EF4-FFF2-40B4-BE49-F238E27FC236}">
+                <a16:creationId xmlns:a16="http://schemas.microsoft.com/office/drawing/2014/main" id="{D06704B4-B268-CAC6-F664-34FC860BA56B}"/>
+              </a:ext>
+            </a:extLst>
+          </p:cNvPr>
+          <p:cNvPicPr>
+            <a:picLocks noChangeAspect="1"/>
+          </p:cNvPicPr>
+          <p:nvPr/>
+        </p:nvPicPr>
+        <p:blipFill>
+          <a:blip r:embed="rId2"/>
+          <a:stretch>
+            <a:fillRect/>
+          </a:stretch>
+        </p:blipFill>
+        <p:spPr>
+          <a:xfrm rot="16200000">
+            <a:off x="14370242" y="3046029"/>
+            <a:ext cx="6964404" cy="5307181"/>
+          </a:xfrm>
+          <a:prstGeom prst="rect">
+            <a:avLst/>
+          </a:prstGeom>
+        </p:spPr>
+      </p:pic>
+      <p:pic>
+        <p:nvPicPr>
           <p:cNvPr id="7" name="Picture 6">
             <a:extLst>
               <a:ext uri="{FF2B5EF4-FFF2-40B4-BE49-F238E27FC236}">
@@ -4544,7 +4574,7 @@
           <p:nvPr/>
         </p:nvPicPr>
         <p:blipFill>
-          <a:blip r:embed="rId2"/>
+          <a:blip r:embed="rId3"/>
           <a:stretch>
             <a:fillRect/>
           </a:stretch>
@@ -4574,7 +4604,7 @@
           <p:nvPr/>
         </p:nvPicPr>
         <p:blipFill>
-          <a:blip r:embed="rId3"/>
+          <a:blip r:embed="rId4"/>
           <a:stretch>
             <a:fillRect/>
           </a:stretch>
@@ -4604,7 +4634,7 @@
           <p:nvPr/>
         </p:nvPicPr>
         <p:blipFill>
-          <a:blip r:embed="rId4"/>
+          <a:blip r:embed="rId5"/>
           <a:stretch>
             <a:fillRect/>
           </a:stretch>
@@ -4634,7 +4664,7 @@
           <p:nvPr/>
         </p:nvPicPr>
         <p:blipFill>
-          <a:blip r:embed="rId5"/>
+          <a:blip r:embed="rId6"/>
           <a:stretch>
             <a:fillRect/>
           </a:stretch>
@@ -4664,7 +4694,7 @@
           <p:nvPr/>
         </p:nvPicPr>
         <p:blipFill>
-          <a:blip r:embed="rId6"/>
+          <a:blip r:embed="rId7"/>
           <a:stretch>
             <a:fillRect/>
           </a:stretch>
@@ -4694,7 +4724,7 @@
           <p:nvPr/>
         </p:nvPicPr>
         <p:blipFill>
-          <a:blip r:embed="rId7"/>
+          <a:blip r:embed="rId8"/>
           <a:stretch>
             <a:fillRect/>
           </a:stretch>
@@ -4724,7 +4754,7 @@
           <p:nvPr/>
         </p:nvPicPr>
         <p:blipFill>
-          <a:blip r:embed="rId8"/>
+          <a:blip r:embed="rId9"/>
           <a:stretch>
             <a:fillRect/>
           </a:stretch>
@@ -4838,9 +4868,9 @@
           <p:nvPr/>
         </p:nvSpPr>
         <p:spPr>
-          <a:xfrm rot="16200000">
-            <a:off x="-768502" y="9878361"/>
-            <a:ext cx="2895344" cy="1015663"/>
+          <a:xfrm rot="10800000">
+            <a:off x="4943444" y="11188431"/>
+            <a:ext cx="5285485" cy="553998"/>
           </a:xfrm>
           <a:prstGeom prst="rect">
             <a:avLst/>
@@ -4848,7 +4878,7 @@
           <a:noFill/>
         </p:spPr>
         <p:txBody>
-          <a:bodyPr wrap="none" rtlCol="0">
+          <a:bodyPr wrap="square" rtlCol="0">
             <a:spAutoFit/>
           </a:bodyPr>
           <a:lstStyle/>
@@ -4857,15 +4887,7 @@
               <a:rPr lang="en-US" sz="3000" b="1" dirty="0">
                 <a:latin typeface="Helvetica" pitchFamily="2" charset="0"/>
               </a:rPr>
-              <a:t>Number of </a:t>
-            </a:r>
-          </a:p>
-          <a:p>
-            <a:r>
-              <a:rPr lang="en-US" sz="3000" b="1" dirty="0">
-                <a:latin typeface="Helvetica" pitchFamily="2" charset="0"/>
-              </a:rPr>
-              <a:t>measurements</a:t>
+              <a:t>Number of  Measurements</a:t>
             </a:r>
           </a:p>
         </p:txBody>
@@ -4921,8 +4943,8 @@
         </p:nvSpPr>
         <p:spPr>
           <a:xfrm rot="16200000">
-            <a:off x="-939406" y="5223174"/>
-            <a:ext cx="3026791" cy="553998"/>
+            <a:off x="-961046" y="5223174"/>
+            <a:ext cx="3070071" cy="553998"/>
           </a:xfrm>
           <a:prstGeom prst="rect">
             <a:avLst/>
@@ -4939,7 +4961,7 @@
               <a:rPr lang="en-US" sz="3000" b="1" dirty="0">
                 <a:latin typeface="Helvetica" pitchFamily="2" charset="0"/>
               </a:rPr>
-              <a:t>Sample size (</a:t>
+              <a:t>Sample Size (</a:t>
             </a:r>
             <a:r>
               <a:rPr lang="en-US" sz="3000" b="1" i="1" dirty="0">
@@ -4970,7 +4992,7 @@
         </p:nvSpPr>
         <p:spPr>
           <a:xfrm rot="16200000">
-            <a:off x="2529929" y="10768803"/>
+            <a:off x="2712809" y="10326881"/>
             <a:ext cx="540533" cy="861774"/>
           </a:xfrm>
           <a:prstGeom prst="rect">
@@ -5007,7 +5029,7 @@
         </p:nvSpPr>
         <p:spPr>
           <a:xfrm rot="16200000">
-            <a:off x="6419027" y="10768804"/>
+            <a:off x="6601907" y="10326882"/>
             <a:ext cx="540533" cy="861774"/>
           </a:xfrm>
           <a:prstGeom prst="rect">
@@ -5044,7 +5066,7 @@
         </p:nvSpPr>
         <p:spPr>
           <a:xfrm rot="16200000">
-            <a:off x="9162387" y="10768803"/>
+            <a:off x="9345267" y="10326881"/>
             <a:ext cx="540533" cy="861774"/>
           </a:xfrm>
           <a:prstGeom prst="rect">
@@ -5081,7 +5103,7 @@
         </p:nvSpPr>
         <p:spPr>
           <a:xfrm rot="16200000">
-            <a:off x="12558277" y="10768803"/>
+            <a:off x="12741157" y="10326881"/>
             <a:ext cx="861326" cy="861774"/>
           </a:xfrm>
           <a:prstGeom prst="rect">
@@ -5104,36 +5126,6 @@
           </a:p>
         </p:txBody>
       </p:sp>
-      <p:pic>
-        <p:nvPicPr>
-          <p:cNvPr id="4" name="Picture 3" descr="Chart&#10;&#10;Description automatically generated">
-            <a:extLst>
-              <a:ext uri="{FF2B5EF4-FFF2-40B4-BE49-F238E27FC236}">
-                <a16:creationId xmlns:a16="http://schemas.microsoft.com/office/drawing/2014/main" id="{342F8E7B-34A8-F84D-BAF0-3A0EE407E659}"/>
-              </a:ext>
-            </a:extLst>
-          </p:cNvPr>
-          <p:cNvPicPr>
-            <a:picLocks noChangeAspect="1"/>
-          </p:cNvPicPr>
-          <p:nvPr/>
-        </p:nvPicPr>
-        <p:blipFill>
-          <a:blip r:embed="rId9"/>
-          <a:stretch>
-            <a:fillRect/>
-          </a:stretch>
-        </p:blipFill>
-        <p:spPr>
-          <a:xfrm rot="16200000">
-            <a:off x="14646096" y="3081207"/>
-            <a:ext cx="6003087" cy="4837931"/>
-          </a:xfrm>
-          <a:prstGeom prst="rect">
-            <a:avLst/>
-          </a:prstGeom>
-        </p:spPr>
-      </p:pic>
       <p:cxnSp>
         <p:nvCxnSpPr>
           <p:cNvPr id="12" name="Straight Connector 11">
@@ -5150,8 +5142,8 @@
         </p:nvCxnSpPr>
         <p:spPr>
           <a:xfrm flipV="1">
-            <a:off x="3333473" y="5237730"/>
-            <a:ext cx="11729748" cy="129869"/>
+            <a:off x="3333473" y="5288925"/>
+            <a:ext cx="11895201" cy="78674"/>
           </a:xfrm>
           <a:prstGeom prst="line">
             <a:avLst/>
@@ -5397,8 +5389,8 @@
         </p:nvSpPr>
         <p:spPr>
           <a:xfrm>
-            <a:off x="17150577" y="3702205"/>
-            <a:ext cx="1543442" cy="3311364"/>
+            <a:off x="17322920" y="3559829"/>
+            <a:ext cx="1543442" cy="3735031"/>
           </a:xfrm>
           <a:prstGeom prst="rect">
             <a:avLst/>
